--- a/Reverse-Proxy.pptx
+++ b/Reverse-Proxy.pptx
@@ -13,6 +13,7 @@
     <p:sldId id="261" r:id="rId7"/>
     <p:sldId id="262" r:id="rId8"/>
     <p:sldId id="257" r:id="rId9"/>
+    <p:sldId id="264" r:id="rId10"/>
   </p:sldIdLst>
   <p:sldSz cx="12192000" cy="6858000"/>
   <p:notesSz cx="6858000" cy="9144000"/>
@@ -132,6 +133,20 @@
 </file>
 
 <file path=ppt/comments/comment1.xml><?xml version="1.0" encoding="utf-8"?>
+<p:cmLst xmlns:a="http://schemas.openxmlformats.org/drawingml/2006/main" xmlns:r="http://schemas.openxmlformats.org/officeDocument/2006/relationships" xmlns:p="http://schemas.openxmlformats.org/presentationml/2006/main">
+  <p:cm authorId="1" dt="2016-12-12T22:07:17.254" idx="1">
+    <p:pos x="10" y="10"/>
+    <p:text/>
+    <p:extLst>
+      <p:ext uri="{C676402C-5697-4E1C-873F-D02D1690AC5C}">
+        <p15:threadingInfo xmlns:p15="http://schemas.microsoft.com/office/powerpoint/2012/main" timeZoneBias="-420"/>
+      </p:ext>
+    </p:extLst>
+  </p:cm>
+</p:cmLst>
+</file>
+
+<file path=ppt/comments/comment2.xml><?xml version="1.0" encoding="utf-8"?>
 <p:cmLst xmlns:a="http://schemas.openxmlformats.org/drawingml/2006/main" xmlns:r="http://schemas.openxmlformats.org/officeDocument/2006/relationships" xmlns:p="http://schemas.openxmlformats.org/presentationml/2006/main">
   <p:cm authorId="1" dt="2016-12-12T22:07:17.254" idx="1">
     <p:pos x="10" y="10"/>
@@ -4669,10 +4684,55 @@
           </a:bodyPr>
           <a:lstStyle/>
           <a:p>
+            <a:r>
+              <a:rPr lang="id-ID" sz="2800" dirty="0" smtClean="0"/>
+              <a:t>Fitur ini memungkinkan user untuk mencari lagu berdasarkan Artis, Judul Lagu, Genre, dan Album.</a:t>
+            </a:r>
             <a:endParaRPr lang="id-ID" sz="2800" dirty="0"/>
           </a:p>
         </p:txBody>
       </p:sp>
+      <p:pic>
+        <p:nvPicPr>
+          <p:cNvPr id="1026" name="Picture 2" descr="Image result for icon searching music"/>
+          <p:cNvPicPr>
+            <a:picLocks noChangeAspect="1" noChangeArrowheads="1"/>
+          </p:cNvPicPr>
+          <p:nvPr/>
+        </p:nvPicPr>
+        <p:blipFill>
+          <a:blip r:embed="rId2">
+            <a:extLst>
+              <a:ext uri="{28A0092B-C50C-407E-A947-70E740481C1C}">
+                <a14:useLocalDpi xmlns:a14="http://schemas.microsoft.com/office/drawing/2010/main" val="0"/>
+              </a:ext>
+            </a:extLst>
+          </a:blip>
+          <a:srcRect/>
+          <a:stretch>
+            <a:fillRect/>
+          </a:stretch>
+        </p:blipFill>
+        <p:spPr bwMode="auto">
+          <a:xfrm>
+            <a:off x="6702149" y="1997527"/>
+            <a:ext cx="4562199" cy="4562200"/>
+          </a:xfrm>
+          <a:prstGeom prst="rect">
+            <a:avLst/>
+          </a:prstGeom>
+          <a:noFill/>
+          <a:extLst>
+            <a:ext uri="{909E8E84-426E-40DD-AFC4-6F175D3DCCD1}">
+              <a14:hiddenFill xmlns:a14="http://schemas.microsoft.com/office/drawing/2010/main">
+                <a:solidFill>
+                  <a:srgbClr val="FFFFFF"/>
+                </a:solidFill>
+              </a14:hiddenFill>
+            </a:ext>
+          </a:extLst>
+        </p:spPr>
+      </p:pic>
     </p:spTree>
     <p:extLst>
       <p:ext uri="{BB962C8B-B14F-4D97-AF65-F5344CB8AC3E}">
@@ -4769,10 +4829,55 @@
           </a:bodyPr>
           <a:lstStyle/>
           <a:p>
+            <a:r>
+              <a:rPr lang="id-ID" sz="2800" dirty="0" smtClean="0"/>
+              <a:t>Fitur yang memungkinkan user untuk mengunduh lagu</a:t>
+            </a:r>
             <a:endParaRPr lang="id-ID" sz="2800" dirty="0"/>
           </a:p>
         </p:txBody>
       </p:sp>
+      <p:pic>
+        <p:nvPicPr>
+          <p:cNvPr id="4100" name="Picture 4" descr="Image result for icon download purple png"/>
+          <p:cNvPicPr>
+            <a:picLocks noChangeAspect="1" noChangeArrowheads="1"/>
+          </p:cNvPicPr>
+          <p:nvPr/>
+        </p:nvPicPr>
+        <p:blipFill>
+          <a:blip r:embed="rId2">
+            <a:extLst>
+              <a:ext uri="{28A0092B-C50C-407E-A947-70E740481C1C}">
+                <a14:useLocalDpi xmlns:a14="http://schemas.microsoft.com/office/drawing/2010/main" val="0"/>
+              </a:ext>
+            </a:extLst>
+          </a:blip>
+          <a:srcRect/>
+          <a:stretch>
+            <a:fillRect/>
+          </a:stretch>
+        </p:blipFill>
+        <p:spPr bwMode="auto">
+          <a:xfrm>
+            <a:off x="7762323" y="2892186"/>
+            <a:ext cx="2438400" cy="2438400"/>
+          </a:xfrm>
+          <a:prstGeom prst="rect">
+            <a:avLst/>
+          </a:prstGeom>
+          <a:noFill/>
+          <a:extLst>
+            <a:ext uri="{909E8E84-426E-40DD-AFC4-6F175D3DCCD1}">
+              <a14:hiddenFill xmlns:a14="http://schemas.microsoft.com/office/drawing/2010/main">
+                <a:solidFill>
+                  <a:srgbClr val="FFFFFF"/>
+                </a:solidFill>
+              </a14:hiddenFill>
+            </a:ext>
+          </a:extLst>
+        </p:spPr>
+      </p:pic>
     </p:spTree>
     <p:extLst>
       <p:ext uri="{BB962C8B-B14F-4D97-AF65-F5344CB8AC3E}">
@@ -4869,10 +4974,55 @@
           </a:bodyPr>
           <a:lstStyle/>
           <a:p>
+            <a:r>
+              <a:rPr lang="id-ID" sz="2800" dirty="0" smtClean="0"/>
+              <a:t>Fitur yang memungkinkan user untuk mendengarkan lagu tanpa harus mengunduh</a:t>
+            </a:r>
             <a:endParaRPr lang="id-ID" sz="2800" dirty="0"/>
           </a:p>
         </p:txBody>
       </p:sp>
+      <p:pic>
+        <p:nvPicPr>
+          <p:cNvPr id="5122" name="Picture 2" descr="Image result for icon streaming purple png"/>
+          <p:cNvPicPr>
+            <a:picLocks noChangeAspect="1" noChangeArrowheads="1"/>
+          </p:cNvPicPr>
+          <p:nvPr/>
+        </p:nvPicPr>
+        <p:blipFill>
+          <a:blip r:embed="rId2">
+            <a:extLst>
+              <a:ext uri="{28A0092B-C50C-407E-A947-70E740481C1C}">
+                <a14:useLocalDpi xmlns:a14="http://schemas.microsoft.com/office/drawing/2010/main" val="0"/>
+              </a:ext>
+            </a:extLst>
+          </a:blip>
+          <a:srcRect/>
+          <a:stretch>
+            <a:fillRect/>
+          </a:stretch>
+        </p:blipFill>
+        <p:spPr bwMode="auto">
+          <a:xfrm>
+            <a:off x="7417766" y="2726496"/>
+            <a:ext cx="3263486" cy="3263487"/>
+          </a:xfrm>
+          <a:prstGeom prst="rect">
+            <a:avLst/>
+          </a:prstGeom>
+          <a:noFill/>
+          <a:extLst>
+            <a:ext uri="{909E8E84-426E-40DD-AFC4-6F175D3DCCD1}">
+              <a14:hiddenFill xmlns:a14="http://schemas.microsoft.com/office/drawing/2010/main">
+                <a:solidFill>
+                  <a:srgbClr val="FFFFFF"/>
+                </a:solidFill>
+              </a14:hiddenFill>
+            </a:ext>
+          </a:extLst>
+        </p:spPr>
+      </p:pic>
     </p:spTree>
     <p:extLst>
       <p:ext uri="{BB962C8B-B14F-4D97-AF65-F5344CB8AC3E}">
@@ -4947,10 +5097,643 @@
           </a:p>
         </p:txBody>
       </p:sp>
+      <p:pic>
+        <p:nvPicPr>
+          <p:cNvPr id="6" name="Picture 2" descr="Hasil gambar untuk server"/>
+          <p:cNvPicPr>
+            <a:picLocks noChangeAspect="1" noChangeArrowheads="1"/>
+          </p:cNvPicPr>
+          <p:nvPr/>
+        </p:nvPicPr>
+        <p:blipFill>
+          <a:blip r:embed="rId2">
+            <a:extLst>
+              <a:ext uri="{28A0092B-C50C-407E-A947-70E740481C1C}">
+                <a14:useLocalDpi xmlns:a14="http://schemas.microsoft.com/office/drawing/2010/main" val="0"/>
+              </a:ext>
+            </a:extLst>
+          </a:blip>
+          <a:srcRect/>
+          <a:stretch>
+            <a:fillRect/>
+          </a:stretch>
+        </p:blipFill>
+        <p:spPr bwMode="auto">
+          <a:xfrm>
+            <a:off x="9535554" y="1918169"/>
+            <a:ext cx="963950" cy="1185331"/>
+          </a:xfrm>
+          <a:prstGeom prst="rect">
+            <a:avLst/>
+          </a:prstGeom>
+          <a:noFill/>
+          <a:extLst>
+            <a:ext uri="{909E8E84-426E-40DD-AFC4-6F175D3DCCD1}">
+              <a14:hiddenFill xmlns:a14="http://schemas.microsoft.com/office/drawing/2010/main">
+                <a:solidFill>
+                  <a:srgbClr val="FFFFFF"/>
+                </a:solidFill>
+              </a14:hiddenFill>
+            </a:ext>
+          </a:extLst>
+        </p:spPr>
+      </p:pic>
+      <p:pic>
+        <p:nvPicPr>
+          <p:cNvPr id="8" name="Picture 2" descr="Hasil gambar untuk server"/>
+          <p:cNvPicPr>
+            <a:picLocks noChangeAspect="1" noChangeArrowheads="1"/>
+          </p:cNvPicPr>
+          <p:nvPr/>
+        </p:nvPicPr>
+        <p:blipFill>
+          <a:blip r:embed="rId2">
+            <a:extLst>
+              <a:ext uri="{28A0092B-C50C-407E-A947-70E740481C1C}">
+                <a14:useLocalDpi xmlns:a14="http://schemas.microsoft.com/office/drawing/2010/main" val="0"/>
+              </a:ext>
+            </a:extLst>
+          </a:blip>
+          <a:srcRect/>
+          <a:stretch>
+            <a:fillRect/>
+          </a:stretch>
+        </p:blipFill>
+        <p:spPr bwMode="auto">
+          <a:xfrm>
+            <a:off x="9535554" y="3596565"/>
+            <a:ext cx="963950" cy="1185331"/>
+          </a:xfrm>
+          <a:prstGeom prst="rect">
+            <a:avLst/>
+          </a:prstGeom>
+          <a:noFill/>
+          <a:extLst>
+            <a:ext uri="{909E8E84-426E-40DD-AFC4-6F175D3DCCD1}">
+              <a14:hiddenFill xmlns:a14="http://schemas.microsoft.com/office/drawing/2010/main">
+                <a:solidFill>
+                  <a:srgbClr val="FFFFFF"/>
+                </a:solidFill>
+              </a14:hiddenFill>
+            </a:ext>
+          </a:extLst>
+        </p:spPr>
+      </p:pic>
+      <p:pic>
+        <p:nvPicPr>
+          <p:cNvPr id="9" name="Picture 2" descr="Hasil gambar untuk server"/>
+          <p:cNvPicPr>
+            <a:picLocks noChangeAspect="1" noChangeArrowheads="1"/>
+          </p:cNvPicPr>
+          <p:nvPr/>
+        </p:nvPicPr>
+        <p:blipFill>
+          <a:blip r:embed="rId2">
+            <a:extLst>
+              <a:ext uri="{28A0092B-C50C-407E-A947-70E740481C1C}">
+                <a14:useLocalDpi xmlns:a14="http://schemas.microsoft.com/office/drawing/2010/main" val="0"/>
+              </a:ext>
+            </a:extLst>
+          </a:blip>
+          <a:srcRect/>
+          <a:stretch>
+            <a:fillRect/>
+          </a:stretch>
+        </p:blipFill>
+        <p:spPr bwMode="auto">
+          <a:xfrm>
+            <a:off x="9535554" y="5274961"/>
+            <a:ext cx="963950" cy="1185331"/>
+          </a:xfrm>
+          <a:prstGeom prst="rect">
+            <a:avLst/>
+          </a:prstGeom>
+          <a:noFill/>
+          <a:extLst>
+            <a:ext uri="{909E8E84-426E-40DD-AFC4-6F175D3DCCD1}">
+              <a14:hiddenFill xmlns:a14="http://schemas.microsoft.com/office/drawing/2010/main">
+                <a:solidFill>
+                  <a:srgbClr val="FFFFFF"/>
+                </a:solidFill>
+              </a14:hiddenFill>
+            </a:ext>
+          </a:extLst>
+        </p:spPr>
+      </p:pic>
+      <p:pic>
+        <p:nvPicPr>
+          <p:cNvPr id="1028" name="Picture 4" descr="Hasil gambar untuk pc"/>
+          <p:cNvPicPr>
+            <a:picLocks noChangeAspect="1" noChangeArrowheads="1"/>
+          </p:cNvPicPr>
+          <p:nvPr/>
+        </p:nvPicPr>
+        <p:blipFill>
+          <a:blip r:embed="rId3">
+            <a:extLst>
+              <a:ext uri="{28A0092B-C50C-407E-A947-70E740481C1C}">
+                <a14:useLocalDpi xmlns:a14="http://schemas.microsoft.com/office/drawing/2010/main" val="0"/>
+              </a:ext>
+            </a:extLst>
+          </a:blip>
+          <a:srcRect/>
+          <a:stretch>
+            <a:fillRect/>
+          </a:stretch>
+        </p:blipFill>
+        <p:spPr bwMode="auto">
+          <a:xfrm>
+            <a:off x="1251992" y="3487087"/>
+            <a:ext cx="1404284" cy="1404284"/>
+          </a:xfrm>
+          <a:prstGeom prst="rect">
+            <a:avLst/>
+          </a:prstGeom>
+          <a:noFill/>
+          <a:extLst>
+            <a:ext uri="{909E8E84-426E-40DD-AFC4-6F175D3DCCD1}">
+              <a14:hiddenFill xmlns:a14="http://schemas.microsoft.com/office/drawing/2010/main">
+                <a:solidFill>
+                  <a:srgbClr val="FFFFFF"/>
+                </a:solidFill>
+              </a14:hiddenFill>
+            </a:ext>
+          </a:extLst>
+        </p:spPr>
+      </p:pic>
+      <p:pic>
+        <p:nvPicPr>
+          <p:cNvPr id="12" name="Picture 2" descr="Hasil gambar untuk server"/>
+          <p:cNvPicPr>
+            <a:picLocks noChangeAspect="1" noChangeArrowheads="1"/>
+          </p:cNvPicPr>
+          <p:nvPr/>
+        </p:nvPicPr>
+        <p:blipFill>
+          <a:blip r:embed="rId2">
+            <a:extLst>
+              <a:ext uri="{28A0092B-C50C-407E-A947-70E740481C1C}">
+                <a14:useLocalDpi xmlns:a14="http://schemas.microsoft.com/office/drawing/2010/main" val="0"/>
+              </a:ext>
+            </a:extLst>
+          </a:blip>
+          <a:srcRect/>
+          <a:stretch>
+            <a:fillRect/>
+          </a:stretch>
+        </p:blipFill>
+        <p:spPr bwMode="auto">
+          <a:xfrm>
+            <a:off x="5347504" y="3596564"/>
+            <a:ext cx="963950" cy="1185331"/>
+          </a:xfrm>
+          <a:prstGeom prst="rect">
+            <a:avLst/>
+          </a:prstGeom>
+          <a:noFill/>
+          <a:extLst>
+            <a:ext uri="{909E8E84-426E-40DD-AFC4-6F175D3DCCD1}">
+              <a14:hiddenFill xmlns:a14="http://schemas.microsoft.com/office/drawing/2010/main">
+                <a:solidFill>
+                  <a:srgbClr val="FFFFFF"/>
+                </a:solidFill>
+              </a14:hiddenFill>
+            </a:ext>
+          </a:extLst>
+        </p:spPr>
+      </p:pic>
+      <p:cxnSp>
+        <p:nvCxnSpPr>
+          <p:cNvPr id="18" name="Straight Arrow Connector 17"/>
+          <p:cNvCxnSpPr>
+            <a:stCxn id="1028" idx="3"/>
+            <a:endCxn id="12" idx="1"/>
+          </p:cNvCxnSpPr>
+          <p:nvPr/>
+        </p:nvCxnSpPr>
+        <p:spPr>
+          <a:xfrm>
+            <a:off x="2656276" y="4189229"/>
+            <a:ext cx="2691228" cy="1"/>
+          </a:xfrm>
+          <a:prstGeom prst="straightConnector1">
+            <a:avLst/>
+          </a:prstGeom>
+          <a:ln w="38100">
+            <a:headEnd type="triangle"/>
+            <a:tailEnd type="triangle"/>
+          </a:ln>
+        </p:spPr>
+        <p:style>
+          <a:lnRef idx="1">
+            <a:schemeClr val="accent1"/>
+          </a:lnRef>
+          <a:fillRef idx="0">
+            <a:schemeClr val="accent1"/>
+          </a:fillRef>
+          <a:effectRef idx="0">
+            <a:schemeClr val="accent1"/>
+          </a:effectRef>
+          <a:fontRef idx="minor">
+            <a:schemeClr val="tx1"/>
+          </a:fontRef>
+        </p:style>
+      </p:cxnSp>
+      <p:cxnSp>
+        <p:nvCxnSpPr>
+          <p:cNvPr id="21" name="Straight Arrow Connector 20"/>
+          <p:cNvCxnSpPr>
+            <a:endCxn id="6" idx="1"/>
+          </p:cNvCxnSpPr>
+          <p:nvPr/>
+        </p:nvCxnSpPr>
+        <p:spPr>
+          <a:xfrm flipV="1">
+            <a:off x="6468035" y="2510835"/>
+            <a:ext cx="3067519" cy="1628597"/>
+          </a:xfrm>
+          <a:prstGeom prst="straightConnector1">
+            <a:avLst/>
+          </a:prstGeom>
+          <a:ln w="38100">
+            <a:headEnd type="triangle"/>
+            <a:tailEnd type="triangle"/>
+          </a:ln>
+        </p:spPr>
+        <p:style>
+          <a:lnRef idx="1">
+            <a:schemeClr val="accent1"/>
+          </a:lnRef>
+          <a:fillRef idx="0">
+            <a:schemeClr val="accent1"/>
+          </a:fillRef>
+          <a:effectRef idx="0">
+            <a:schemeClr val="accent1"/>
+          </a:effectRef>
+          <a:fontRef idx="minor">
+            <a:schemeClr val="tx1"/>
+          </a:fontRef>
+        </p:style>
+      </p:cxnSp>
+      <p:cxnSp>
+        <p:nvCxnSpPr>
+          <p:cNvPr id="23" name="Straight Arrow Connector 22"/>
+          <p:cNvCxnSpPr/>
+          <p:nvPr/>
+        </p:nvCxnSpPr>
+        <p:spPr>
+          <a:xfrm>
+            <a:off x="6468035" y="4189229"/>
+            <a:ext cx="2958353" cy="1"/>
+          </a:xfrm>
+          <a:prstGeom prst="straightConnector1">
+            <a:avLst/>
+          </a:prstGeom>
+          <a:ln w="38100">
+            <a:headEnd type="triangle"/>
+            <a:tailEnd type="triangle"/>
+          </a:ln>
+        </p:spPr>
+        <p:style>
+          <a:lnRef idx="1">
+            <a:schemeClr val="accent1"/>
+          </a:lnRef>
+          <a:fillRef idx="0">
+            <a:schemeClr val="accent1"/>
+          </a:fillRef>
+          <a:effectRef idx="0">
+            <a:schemeClr val="accent1"/>
+          </a:effectRef>
+          <a:fontRef idx="minor">
+            <a:schemeClr val="tx1"/>
+          </a:fontRef>
+        </p:style>
+      </p:cxnSp>
+      <p:cxnSp>
+        <p:nvCxnSpPr>
+          <p:cNvPr id="25" name="Straight Arrow Connector 24"/>
+          <p:cNvCxnSpPr>
+            <a:endCxn id="9" idx="1"/>
+          </p:cNvCxnSpPr>
+          <p:nvPr/>
+        </p:nvCxnSpPr>
+        <p:spPr>
+          <a:xfrm>
+            <a:off x="6468035" y="4239027"/>
+            <a:ext cx="3067519" cy="1628600"/>
+          </a:xfrm>
+          <a:prstGeom prst="straightConnector1">
+            <a:avLst/>
+          </a:prstGeom>
+          <a:ln w="38100">
+            <a:headEnd type="triangle"/>
+            <a:tailEnd type="triangle"/>
+          </a:ln>
+        </p:spPr>
+        <p:style>
+          <a:lnRef idx="1">
+            <a:schemeClr val="accent1"/>
+          </a:lnRef>
+          <a:fillRef idx="0">
+            <a:schemeClr val="accent1"/>
+          </a:fillRef>
+          <a:effectRef idx="0">
+            <a:schemeClr val="accent1"/>
+          </a:effectRef>
+          <a:fontRef idx="minor">
+            <a:schemeClr val="tx1"/>
+          </a:fontRef>
+        </p:style>
+      </p:cxnSp>
+      <p:sp>
+        <p:nvSpPr>
+          <p:cNvPr id="31" name="TextBox 30"/>
+          <p:cNvSpPr txBox="1"/>
+          <p:nvPr/>
+        </p:nvSpPr>
+        <p:spPr>
+          <a:xfrm>
+            <a:off x="1486114" y="4781895"/>
+            <a:ext cx="832302" cy="369332"/>
+          </a:xfrm>
+          <a:prstGeom prst="rect">
+            <a:avLst/>
+          </a:prstGeom>
+          <a:noFill/>
+        </p:spPr>
+        <p:txBody>
+          <a:bodyPr wrap="square" rtlCol="0">
+            <a:spAutoFit/>
+          </a:bodyPr>
+          <a:lstStyle/>
+          <a:p>
+            <a:r>
+              <a:rPr lang="id-ID" dirty="0" smtClean="0"/>
+              <a:t>client</a:t>
+            </a:r>
+            <a:endParaRPr lang="id-ID" dirty="0"/>
+          </a:p>
+        </p:txBody>
+      </p:sp>
+      <p:sp>
+        <p:nvSpPr>
+          <p:cNvPr id="1029" name="TextBox 1028"/>
+          <p:cNvSpPr txBox="1"/>
+          <p:nvPr/>
+        </p:nvSpPr>
+        <p:spPr>
+          <a:xfrm flipH="1">
+            <a:off x="9258845" y="3053850"/>
+            <a:ext cx="1579484" cy="369332"/>
+          </a:xfrm>
+          <a:prstGeom prst="rect">
+            <a:avLst/>
+          </a:prstGeom>
+          <a:noFill/>
+        </p:spPr>
+        <p:txBody>
+          <a:bodyPr wrap="square" rtlCol="0">
+            <a:spAutoFit/>
+          </a:bodyPr>
+          <a:lstStyle/>
+          <a:p>
+            <a:r>
+              <a:rPr lang="id-ID" dirty="0" smtClean="0"/>
+              <a:t>Web content </a:t>
+            </a:r>
+            <a:endParaRPr lang="id-ID" dirty="0"/>
+          </a:p>
+        </p:txBody>
+      </p:sp>
+      <p:sp>
+        <p:nvSpPr>
+          <p:cNvPr id="1031" name="TextBox 1030"/>
+          <p:cNvSpPr txBox="1"/>
+          <p:nvPr/>
+        </p:nvSpPr>
+        <p:spPr>
+          <a:xfrm>
+            <a:off x="9359153" y="4779688"/>
+            <a:ext cx="1212063" cy="369332"/>
+          </a:xfrm>
+          <a:prstGeom prst="rect">
+            <a:avLst/>
+          </a:prstGeom>
+          <a:noFill/>
+        </p:spPr>
+        <p:txBody>
+          <a:bodyPr wrap="none" rtlCol="0">
+            <a:spAutoFit/>
+          </a:bodyPr>
+          <a:lstStyle/>
+          <a:p>
+            <a:r>
+              <a:rPr lang="id-ID" dirty="0" smtClean="0"/>
+              <a:t>File server</a:t>
+            </a:r>
+            <a:endParaRPr lang="id-ID" dirty="0"/>
+          </a:p>
+        </p:txBody>
+      </p:sp>
+      <p:sp>
+        <p:nvSpPr>
+          <p:cNvPr id="1032" name="TextBox 1031"/>
+          <p:cNvSpPr txBox="1"/>
+          <p:nvPr/>
+        </p:nvSpPr>
+        <p:spPr>
+          <a:xfrm>
+            <a:off x="9466641" y="6408288"/>
+            <a:ext cx="1127425" cy="369332"/>
+          </a:xfrm>
+          <a:prstGeom prst="rect">
+            <a:avLst/>
+          </a:prstGeom>
+          <a:noFill/>
+        </p:spPr>
+        <p:txBody>
+          <a:bodyPr wrap="none" rtlCol="0">
+            <a:spAutoFit/>
+          </a:bodyPr>
+          <a:lstStyle/>
+          <a:p>
+            <a:r>
+              <a:rPr lang="id-ID" dirty="0"/>
+              <a:t>D</a:t>
+            </a:r>
+            <a:r>
+              <a:rPr lang="id-ID" dirty="0" smtClean="0"/>
+              <a:t>atabase</a:t>
+            </a:r>
+            <a:endParaRPr lang="id-ID" dirty="0"/>
+          </a:p>
+        </p:txBody>
+      </p:sp>
+      <p:sp>
+        <p:nvSpPr>
+          <p:cNvPr id="1033" name="TextBox 1032"/>
+          <p:cNvSpPr txBox="1"/>
+          <p:nvPr/>
+        </p:nvSpPr>
+        <p:spPr>
+          <a:xfrm>
+            <a:off x="5027624" y="4781895"/>
+            <a:ext cx="1603709" cy="369332"/>
+          </a:xfrm>
+          <a:prstGeom prst="rect">
+            <a:avLst/>
+          </a:prstGeom>
+          <a:noFill/>
+        </p:spPr>
+        <p:txBody>
+          <a:bodyPr wrap="none" rtlCol="0">
+            <a:spAutoFit/>
+          </a:bodyPr>
+          <a:lstStyle/>
+          <a:p>
+            <a:r>
+              <a:rPr lang="id-ID" dirty="0" smtClean="0"/>
+              <a:t>Load balancer</a:t>
+            </a:r>
+            <a:endParaRPr lang="id-ID" dirty="0"/>
+          </a:p>
+        </p:txBody>
+      </p:sp>
     </p:spTree>
     <p:extLst>
       <p:ext uri="{BB962C8B-B14F-4D97-AF65-F5344CB8AC3E}">
         <p14:creationId xmlns:p14="http://schemas.microsoft.com/office/powerpoint/2010/main" val="339143762"/>
+      </p:ext>
+    </p:extLst>
+  </p:cSld>
+  <p:clrMapOvr>
+    <a:masterClrMapping/>
+  </p:clrMapOvr>
+  <mc:AlternateContent xmlns:mc="http://schemas.openxmlformats.org/markup-compatibility/2006" xmlns:p14="http://schemas.microsoft.com/office/powerpoint/2010/main">
+    <mc:Choice Requires="p14">
+      <p:transition spd="slow" p14:dur="3400">
+        <p14:reveal/>
+      </p:transition>
+    </mc:Choice>
+    <mc:Fallback xmlns="">
+      <p:transition spd="slow">
+        <p:fade/>
+      </p:transition>
+    </mc:Fallback>
+  </mc:AlternateContent>
+  <p:timing>
+    <p:tnLst>
+      <p:par>
+        <p:cTn id="1" dur="indefinite" restart="never" nodeType="tmRoot"/>
+      </p:par>
+    </p:tnLst>
+  </p:timing>
+</p:sld>
+</file>
+
+<file path=ppt/slides/slide9.xml><?xml version="1.0" encoding="utf-8"?>
+<p:sld xmlns:a="http://schemas.openxmlformats.org/drawingml/2006/main" xmlns:r="http://schemas.openxmlformats.org/officeDocument/2006/relationships" xmlns:p="http://schemas.openxmlformats.org/presentationml/2006/main">
+  <p:cSld>
+    <p:spTree>
+      <p:nvGrpSpPr>
+        <p:cNvPr id="1" name=""/>
+        <p:cNvGrpSpPr/>
+        <p:nvPr/>
+      </p:nvGrpSpPr>
+      <p:grpSpPr>
+        <a:xfrm>
+          <a:off x="0" y="0"/>
+          <a:ext cx="0" cy="0"/>
+          <a:chOff x="0" y="0"/>
+          <a:chExt cx="0" cy="0"/>
+        </a:xfrm>
+      </p:grpSpPr>
+      <p:pic>
+        <p:nvPicPr>
+          <p:cNvPr id="1026" name="Picture 2" descr="Image result for icon thank purple png"/>
+          <p:cNvPicPr>
+            <a:picLocks noChangeAspect="1" noChangeArrowheads="1"/>
+          </p:cNvPicPr>
+          <p:nvPr/>
+        </p:nvPicPr>
+        <p:blipFill>
+          <a:blip r:embed="rId2">
+            <a:extLst>
+              <a:ext uri="{28A0092B-C50C-407E-A947-70E740481C1C}">
+                <a14:useLocalDpi xmlns:a14="http://schemas.microsoft.com/office/drawing/2010/main" val="0"/>
+              </a:ext>
+            </a:extLst>
+          </a:blip>
+          <a:srcRect/>
+          <a:stretch>
+            <a:fillRect/>
+          </a:stretch>
+        </p:blipFill>
+        <p:spPr bwMode="auto">
+          <a:xfrm>
+            <a:off x="7055138" y="2563091"/>
+            <a:ext cx="2857500" cy="2857500"/>
+          </a:xfrm>
+          <a:prstGeom prst="rect">
+            <a:avLst/>
+          </a:prstGeom>
+          <a:noFill/>
+          <a:extLst>
+            <a:ext uri="{909E8E84-426E-40DD-AFC4-6F175D3DCCD1}">
+              <a14:hiddenFill xmlns:a14="http://schemas.microsoft.com/office/drawing/2010/main">
+                <a:solidFill>
+                  <a:srgbClr val="FFFFFF"/>
+                </a:solidFill>
+              </a14:hiddenFill>
+            </a:ext>
+          </a:extLst>
+        </p:spPr>
+      </p:pic>
+      <p:pic>
+        <p:nvPicPr>
+          <p:cNvPr id="11" name="Picture 4" descr="Image result for icon thank"/>
+          <p:cNvPicPr>
+            <a:picLocks noChangeAspect="1" noChangeArrowheads="1"/>
+          </p:cNvPicPr>
+          <p:nvPr/>
+        </p:nvPicPr>
+        <p:blipFill>
+          <a:blip r:embed="rId3">
+            <a:extLst>
+              <a:ext uri="{28A0092B-C50C-407E-A947-70E740481C1C}">
+                <a14:useLocalDpi xmlns:a14="http://schemas.microsoft.com/office/drawing/2010/main" val="0"/>
+              </a:ext>
+            </a:extLst>
+          </a:blip>
+          <a:srcRect/>
+          <a:stretch>
+            <a:fillRect/>
+          </a:stretch>
+        </p:blipFill>
+        <p:spPr bwMode="auto">
+          <a:xfrm>
+            <a:off x="1776557" y="2324966"/>
+            <a:ext cx="4762500" cy="3333750"/>
+          </a:xfrm>
+          <a:prstGeom prst="rect">
+            <a:avLst/>
+          </a:prstGeom>
+          <a:noFill/>
+          <a:extLst>
+            <a:ext uri="{909E8E84-426E-40DD-AFC4-6F175D3DCCD1}">
+              <a14:hiddenFill xmlns:a14="http://schemas.microsoft.com/office/drawing/2010/main">
+                <a:solidFill>
+                  <a:srgbClr val="FFFFFF"/>
+                </a:solidFill>
+              </a14:hiddenFill>
+            </a:ext>
+          </a:extLst>
+        </p:spPr>
+      </p:pic>
+    </p:spTree>
+    <p:extLst>
+      <p:ext uri="{BB962C8B-B14F-4D97-AF65-F5344CB8AC3E}">
+        <p14:creationId xmlns:p14="http://schemas.microsoft.com/office/powerpoint/2010/main" val="315906918"/>
       </p:ext>
     </p:extLst>
   </p:cSld>
